--- a/15. Arquitetura de Negócio para cada Cenário.pptx
+++ b/15. Arquitetura de Negócio para cada Cenário.pptx
@@ -250,7 +250,7 @@
       <p15:sldGuideLst xmlns:p15="http://schemas.microsoft.com/office/powerpoint/2012/main"/>
     </p:ext>
     <p:ext uri="http://customooxmlschemas.google.com/">
-      <go:slidesCustomData xmlns:go="http://customooxmlschemas.google.com/" xmlns:p15="http://schemas.microsoft.com/office/powerpoint/2012/main" xmlns:p14="http://schemas.microsoft.com/office/powerpoint/2010/main" xmlns:com="http://schemas.openxmlformats.org/drawingml/2006/compatibility" xmlns:pvml="urn:schemas-microsoft-com:office:powerpoint" xmlns:v="urn:schemas-microsoft-com:vml" xmlns:o="urn:schemas-microsoft-com:office:office" xmlns:dgm="http://schemas.openxmlformats.org/drawingml/2006/diagram" xmlns:c="http://schemas.openxmlformats.org/drawingml/2006/chart" xmlns:mv="urn:schemas-microsoft-com:mac:vml" xmlns:mc="http://schemas.openxmlformats.org/markup-compatibility/2006" xmlns="" r:id="rId10" roundtripDataSignature="AMtx7mhy+c/tMEJmzW/6UCwzvaRJT5ZwlA=="/>
+      <go:slidesCustomData xmlns="" xmlns:mc="http://schemas.openxmlformats.org/markup-compatibility/2006" xmlns:mv="urn:schemas-microsoft-com:mac:vml" xmlns:c="http://schemas.openxmlformats.org/drawingml/2006/chart" xmlns:dgm="http://schemas.openxmlformats.org/drawingml/2006/diagram" xmlns:o="urn:schemas-microsoft-com:office:office" xmlns:v="urn:schemas-microsoft-com:vml" xmlns:pvml="urn:schemas-microsoft-com:office:powerpoint" xmlns:com="http://schemas.openxmlformats.org/drawingml/2006/compatibility" xmlns:p14="http://schemas.microsoft.com/office/powerpoint/2010/main" xmlns:p15="http://schemas.microsoft.com/office/powerpoint/2012/main" xmlns:go="http://customooxmlschemas.google.com/" r:id="rId10" roundtripDataSignature="AMtx7mhy+c/tMEJmzW/6UCwzvaRJT5ZwlA=="/>
     </p:ext>
   </p:extLst>
 </p:presentation>
@@ -7589,7 +7589,7 @@
               <a:buNone/>
             </a:pPr>
             <a:r>
-              <a:rPr lang="pt-BR" sz="1200" b="0" i="0" u="none" strike="noStrike" cap="none">
+              <a:rPr lang="pt-BR" sz="1200" b="0" i="0" u="none" strike="noStrike" cap="none" dirty="0">
                 <a:solidFill>
                   <a:srgbClr val="000000"/>
                 </a:solidFill>
@@ -7600,7 +7600,7 @@
               </a:rPr>
               <a:t>Descontaminação </a:t>
             </a:r>
-            <a:endParaRPr sz="1200" b="0" i="0" u="none" strike="noStrike" cap="none">
+            <a:endParaRPr sz="1200" b="0" i="0" u="none" strike="noStrike" cap="none" dirty="0">
               <a:latin typeface="Arial"/>
               <a:ea typeface="Arial"/>
               <a:cs typeface="Arial"/>
@@ -7621,7 +7621,7 @@
               <a:buNone/>
             </a:pPr>
             <a:r>
-              <a:rPr lang="pt-BR" sz="1200" b="0" i="0" u="none" strike="noStrike" cap="none">
+              <a:rPr lang="pt-BR" sz="1200" b="0" i="0" u="none" strike="noStrike" cap="none" dirty="0">
                 <a:solidFill>
                   <a:srgbClr val="000000"/>
                 </a:solidFill>
@@ -7632,7 +7632,7 @@
               </a:rPr>
               <a:t>do solo</a:t>
             </a:r>
-            <a:endParaRPr sz="1200" b="0" i="0" u="none" strike="noStrike" cap="none">
+            <a:endParaRPr sz="1200" b="0" i="0" u="none" strike="noStrike" cap="none" dirty="0">
               <a:latin typeface="Arial"/>
               <a:ea typeface="Arial"/>
               <a:cs typeface="Arial"/>
@@ -8023,41 +8023,15 @@
             </a:endParaRPr>
           </a:p>
           <a:p>
-            <a:pPr marL="457200" marR="0" lvl="0" indent="-291599" algn="l" rtl="0">
-              <a:lnSpc>
-                <a:spcPct val="100000"/>
-              </a:lnSpc>
-              <a:spcBef>
-                <a:spcPts val="0"/>
-              </a:spcBef>
-              <a:spcAft>
-                <a:spcPts val="0"/>
-              </a:spcAft>
-              <a:buClr>
-                <a:srgbClr val="000000"/>
-              </a:buClr>
+            <a:pPr marL="457200" lvl="0" indent="-291599">
               <a:buSzPts val="1000"/>
               <a:buFont typeface="Arial"/>
               <a:buChar char="❖"/>
             </a:pPr>
             <a:r>
-              <a:rPr lang="pt-BR" sz="1000" b="0" i="0" u="none" strike="noStrike" cap="none" dirty="0">
-                <a:solidFill>
-                  <a:srgbClr val="000000"/>
-                </a:solidFill>
-                <a:latin typeface="Arial"/>
-                <a:ea typeface="Arial"/>
-                <a:cs typeface="Arial"/>
-                <a:sym typeface="Arial"/>
-              </a:rPr>
-              <a:t>Instalação do equipamento</a:t>
+              <a:rPr lang="pt-BR" sz="1000" dirty="0"/>
+              <a:t>Instalação e operação do equipamento</a:t>
             </a:r>
-            <a:endParaRPr sz="1000" b="0" i="0" u="none" strike="noStrike" cap="none" dirty="0">
-              <a:latin typeface="Arial"/>
-              <a:ea typeface="Arial"/>
-              <a:cs typeface="Arial"/>
-              <a:sym typeface="Arial"/>
-            </a:endParaRPr>
           </a:p>
           <a:p>
             <a:pPr marL="457200" marR="0" lvl="0" indent="-291599" algn="l" rtl="0">
@@ -8890,11 +8864,7 @@
                 <a:cs typeface="Arial"/>
                 <a:sym typeface="Arial"/>
               </a:rPr>
-              <a:t>Agenda</a:t>
-            </a:r>
-            <a:r>
-              <a:rPr lang="pt-BR" sz="1000" dirty="0"/>
-              <a:t>mento do serviço</a:t>
+              <a:t>Agendar realização de serviço</a:t>
             </a:r>
             <a:endParaRPr sz="1000" b="0" i="0" u="none" strike="noStrike" cap="none" dirty="0">
               <a:latin typeface="Arial"/>
@@ -9823,7 +9793,7 @@
                 <a:cs typeface="Arial"/>
                 <a:sym typeface="Arial"/>
               </a:rPr>
-              <a:t>Instalar os equipamentos</a:t>
+              <a:t>Instalar e operar os equipamentos</a:t>
             </a:r>
           </a:p>
           <a:p>
@@ -11403,7 +11373,7 @@
             </a:pPr>
             <a:r>
               <a:rPr lang="pt-BR" sz="1000" dirty="0"/>
-              <a:t>Encerrar o serviço</a:t>
+              <a:t>Encerrar serviço</a:t>
             </a:r>
             <a:endParaRPr sz="1000" b="0" i="0" u="none" strike="noStrike" cap="none" dirty="0">
               <a:latin typeface="Arial"/>
